--- a/Workshops/WelcomePresentation.pptx
+++ b/Workshops/WelcomePresentation.pptx
@@ -927,6 +927,198 @@
             <a:r>
               <a:rPr/>
               <a:t>slide.</a:t>
+            </a:r>
+            <a:r>
+              <a:rPr/>
+              <a:t> </a:t>
+            </a:r>
+            <a:r>
+              <a:rPr/>
+              <a:t>Tell</a:t>
+            </a:r>
+            <a:r>
+              <a:rPr/>
+              <a:t> </a:t>
+            </a:r>
+            <a:r>
+              <a:rPr/>
+              <a:t>people</a:t>
+            </a:r>
+            <a:r>
+              <a:rPr/>
+              <a:t> </a:t>
+            </a:r>
+            <a:r>
+              <a:rPr/>
+              <a:t>that</a:t>
+            </a:r>
+            <a:r>
+              <a:rPr/>
+              <a:t> </a:t>
+            </a:r>
+            <a:r>
+              <a:rPr/>
+              <a:t>they</a:t>
+            </a:r>
+            <a:r>
+              <a:rPr/>
+              <a:t> </a:t>
+            </a:r>
+            <a:r>
+              <a:rPr/>
+              <a:t>can</a:t>
+            </a:r>
+            <a:r>
+              <a:rPr/>
+              <a:t> </a:t>
+            </a:r>
+            <a:r>
+              <a:rPr/>
+              <a:t>sign</a:t>
+            </a:r>
+            <a:r>
+              <a:rPr/>
+              <a:t> </a:t>
+            </a:r>
+            <a:r>
+              <a:rPr/>
+              <a:t>the</a:t>
+            </a:r>
+            <a:r>
+              <a:rPr/>
+              <a:t> </a:t>
+            </a:r>
+            <a:r>
+              <a:rPr/>
+              <a:t>CCHIC</a:t>
+            </a:r>
+            <a:r>
+              <a:rPr/>
+              <a:t> </a:t>
+            </a:r>
+            <a:r>
+              <a:rPr/>
+              <a:t>user</a:t>
+            </a:r>
+            <a:r>
+              <a:rPr/>
+              <a:t> </a:t>
+            </a:r>
+            <a:r>
+              <a:rPr/>
+              <a:t>sharing</a:t>
+            </a:r>
+            <a:r>
+              <a:rPr/>
+              <a:t> </a:t>
+            </a:r>
+            <a:r>
+              <a:rPr/>
+              <a:t>agreement</a:t>
+            </a:r>
+            <a:r>
+              <a:rPr/>
+              <a:t> </a:t>
+            </a:r>
+            <a:r>
+              <a:rPr/>
+              <a:t>if</a:t>
+            </a:r>
+            <a:r>
+              <a:rPr/>
+              <a:t> </a:t>
+            </a:r>
+            <a:r>
+              <a:rPr/>
+              <a:t>they</a:t>
+            </a:r>
+            <a:r>
+              <a:rPr/>
+              <a:t> </a:t>
+            </a:r>
+            <a:r>
+              <a:rPr/>
+              <a:t>want</a:t>
+            </a:r>
+            <a:r>
+              <a:rPr/>
+              <a:t> </a:t>
+            </a:r>
+            <a:r>
+              <a:rPr/>
+              <a:t>to</a:t>
+            </a:r>
+            <a:r>
+              <a:rPr/>
+              <a:t> </a:t>
+            </a:r>
+            <a:r>
+              <a:rPr/>
+              <a:t>access</a:t>
+            </a:r>
+            <a:r>
+              <a:rPr/>
+              <a:t> </a:t>
+            </a:r>
+            <a:r>
+              <a:rPr/>
+              <a:t>the</a:t>
+            </a:r>
+            <a:r>
+              <a:rPr/>
+              <a:t> </a:t>
+            </a:r>
+            <a:r>
+              <a:rPr/>
+              <a:t>full</a:t>
+            </a:r>
+            <a:r>
+              <a:rPr/>
+              <a:t> </a:t>
+            </a:r>
+            <a:r>
+              <a:rPr/>
+              <a:t>public</a:t>
+            </a:r>
+            <a:r>
+              <a:rPr/>
+              <a:t> </a:t>
+            </a:r>
+            <a:r>
+              <a:rPr/>
+              <a:t>dataset</a:t>
+            </a:r>
+            <a:r>
+              <a:rPr/>
+              <a:t> </a:t>
+            </a:r>
+            <a:r>
+              <a:rPr/>
+              <a:t>to</a:t>
+            </a:r>
+            <a:r>
+              <a:rPr/>
+              <a:t> </a:t>
+            </a:r>
+            <a:r>
+              <a:rPr/>
+              <a:t>play</a:t>
+            </a:r>
+            <a:r>
+              <a:rPr/>
+              <a:t> </a:t>
+            </a:r>
+            <a:r>
+              <a:rPr/>
+              <a:t>with</a:t>
+            </a:r>
+            <a:r>
+              <a:rPr/>
+              <a:t> </a:t>
+            </a:r>
+            <a:r>
+              <a:rPr/>
+              <a:t>later.</a:t>
             </a:r>
           </a:p>
         </p:txBody>
@@ -4590,7 +4782,7 @@
       </p:grpSpPr>
       <p:pic>
         <p:nvPicPr>
-          <p:cNvPr descr="Images/Clinician%20Coders%20Branding_FINAL_CMYK_Colour.png" id="0" name="Picture 1"/>
+          <p:cNvPr descr="../Images/Clinician%20Coders%20Branding_FINAL_CMYK_Colour.png" id="0" name="Picture 1"/>
           <p:cNvPicPr>
             <a:picLocks noGrp="1" noChangeAspect="1"/>
           </p:cNvPicPr>
@@ -4833,14 +5025,14 @@
             <a:pPr lvl="1"/>
             <a:r>
               <a:rPr/>
-              <a:t>Sign user agreement for CCHIC</a:t>
+              <a:t>Join the slack channel</a:t>
             </a:r>
           </a:p>
           <a:p>
             <a:pPr lvl="1"/>
             <a:r>
               <a:rPr/>
-              <a:t>Join the slack channel</a:t>
+              <a:t>Decide which dataset to use on the second day</a:t>
             </a:r>
           </a:p>
         </p:txBody>
@@ -5358,7 +5550,7 @@
             <a:pPr lvl="1"/>
             <a:r>
               <a:rPr/>
-              <a:t>Extract of single admission time point for 1011 patients for Clinician Coders</a:t>
+              <a:t>You will be using a small annonymised extract from this dataset for the first part of the course.</a:t>
             </a:r>
           </a:p>
         </p:txBody>

--- a/Workshops/WelcomePresentation.pptx
+++ b/Workshops/WelcomePresentation.pptx
@@ -5550,7 +5550,7 @@
             <a:pPr lvl="1"/>
             <a:r>
               <a:rPr/>
-              <a:t>You will be using a small annonymised extract from this dataset for the first part of the course.</a:t>
+              <a:t>You will be using a synthetic dataset structured in a simillar format to the CCHIC data.</a:t>
             </a:r>
           </a:p>
         </p:txBody>

--- a/Workshops/WelcomePresentation.pptx
+++ b/Workshops/WelcomePresentation.pptx
@@ -927,198 +927,6 @@
             <a:r>
               <a:rPr/>
               <a:t>slide.</a:t>
-            </a:r>
-            <a:r>
-              <a:rPr/>
-              <a:t> </a:t>
-            </a:r>
-            <a:r>
-              <a:rPr/>
-              <a:t>Tell</a:t>
-            </a:r>
-            <a:r>
-              <a:rPr/>
-              <a:t> </a:t>
-            </a:r>
-            <a:r>
-              <a:rPr/>
-              <a:t>people</a:t>
-            </a:r>
-            <a:r>
-              <a:rPr/>
-              <a:t> </a:t>
-            </a:r>
-            <a:r>
-              <a:rPr/>
-              <a:t>that</a:t>
-            </a:r>
-            <a:r>
-              <a:rPr/>
-              <a:t> </a:t>
-            </a:r>
-            <a:r>
-              <a:rPr/>
-              <a:t>they</a:t>
-            </a:r>
-            <a:r>
-              <a:rPr/>
-              <a:t> </a:t>
-            </a:r>
-            <a:r>
-              <a:rPr/>
-              <a:t>can</a:t>
-            </a:r>
-            <a:r>
-              <a:rPr/>
-              <a:t> </a:t>
-            </a:r>
-            <a:r>
-              <a:rPr/>
-              <a:t>sign</a:t>
-            </a:r>
-            <a:r>
-              <a:rPr/>
-              <a:t> </a:t>
-            </a:r>
-            <a:r>
-              <a:rPr/>
-              <a:t>the</a:t>
-            </a:r>
-            <a:r>
-              <a:rPr/>
-              <a:t> </a:t>
-            </a:r>
-            <a:r>
-              <a:rPr/>
-              <a:t>CCHIC</a:t>
-            </a:r>
-            <a:r>
-              <a:rPr/>
-              <a:t> </a:t>
-            </a:r>
-            <a:r>
-              <a:rPr/>
-              <a:t>user</a:t>
-            </a:r>
-            <a:r>
-              <a:rPr/>
-              <a:t> </a:t>
-            </a:r>
-            <a:r>
-              <a:rPr/>
-              <a:t>sharing</a:t>
-            </a:r>
-            <a:r>
-              <a:rPr/>
-              <a:t> </a:t>
-            </a:r>
-            <a:r>
-              <a:rPr/>
-              <a:t>agreement</a:t>
-            </a:r>
-            <a:r>
-              <a:rPr/>
-              <a:t> </a:t>
-            </a:r>
-            <a:r>
-              <a:rPr/>
-              <a:t>if</a:t>
-            </a:r>
-            <a:r>
-              <a:rPr/>
-              <a:t> </a:t>
-            </a:r>
-            <a:r>
-              <a:rPr/>
-              <a:t>they</a:t>
-            </a:r>
-            <a:r>
-              <a:rPr/>
-              <a:t> </a:t>
-            </a:r>
-            <a:r>
-              <a:rPr/>
-              <a:t>want</a:t>
-            </a:r>
-            <a:r>
-              <a:rPr/>
-              <a:t> </a:t>
-            </a:r>
-            <a:r>
-              <a:rPr/>
-              <a:t>to</a:t>
-            </a:r>
-            <a:r>
-              <a:rPr/>
-              <a:t> </a:t>
-            </a:r>
-            <a:r>
-              <a:rPr/>
-              <a:t>access</a:t>
-            </a:r>
-            <a:r>
-              <a:rPr/>
-              <a:t> </a:t>
-            </a:r>
-            <a:r>
-              <a:rPr/>
-              <a:t>the</a:t>
-            </a:r>
-            <a:r>
-              <a:rPr/>
-              <a:t> </a:t>
-            </a:r>
-            <a:r>
-              <a:rPr/>
-              <a:t>full</a:t>
-            </a:r>
-            <a:r>
-              <a:rPr/>
-              <a:t> </a:t>
-            </a:r>
-            <a:r>
-              <a:rPr/>
-              <a:t>public</a:t>
-            </a:r>
-            <a:r>
-              <a:rPr/>
-              <a:t> </a:t>
-            </a:r>
-            <a:r>
-              <a:rPr/>
-              <a:t>dataset</a:t>
-            </a:r>
-            <a:r>
-              <a:rPr/>
-              <a:t> </a:t>
-            </a:r>
-            <a:r>
-              <a:rPr/>
-              <a:t>to</a:t>
-            </a:r>
-            <a:r>
-              <a:rPr/>
-              <a:t> </a:t>
-            </a:r>
-            <a:r>
-              <a:rPr/>
-              <a:t>play</a:t>
-            </a:r>
-            <a:r>
-              <a:rPr/>
-              <a:t> </a:t>
-            </a:r>
-            <a:r>
-              <a:rPr/>
-              <a:t>with</a:t>
-            </a:r>
-            <a:r>
-              <a:rPr/>
-              <a:t> </a:t>
-            </a:r>
-            <a:r>
-              <a:rPr/>
-              <a:t>later.</a:t>
             </a:r>
           </a:p>
         </p:txBody>
@@ -4412,15 +4220,39 @@
             </a:r>
             <a:r>
               <a:rPr/>
-              <a:t>Clinician</a:t>
-            </a:r>
-            <a:r>
-              <a:rPr/>
-              <a:t> </a:t>
-            </a:r>
-            <a:r>
-              <a:rPr/>
-              <a:t>Coders</a:t>
+              <a:t>our</a:t>
+            </a:r>
+            <a:r>
+              <a:rPr/>
+              <a:t> </a:t>
+            </a:r>
+            <a:r>
+              <a:rPr/>
+              <a:t>Patient</a:t>
+            </a:r>
+            <a:r>
+              <a:rPr/>
+              <a:t> </a:t>
+            </a:r>
+            <a:r>
+              <a:rPr/>
+              <a:t>Data</a:t>
+            </a:r>
+            <a:r>
+              <a:rPr/>
+              <a:t> </a:t>
+            </a:r>
+            <a:r>
+              <a:rPr/>
+              <a:t>Skills</a:t>
+            </a:r>
+            <a:r>
+              <a:rPr/>
+              <a:t> </a:t>
+            </a:r>
+            <a:r>
+              <a:rPr/>
+              <a:t>course</a:t>
             </a:r>
           </a:p>
         </p:txBody>
@@ -4782,7 +4614,7 @@
       </p:grpSpPr>
       <p:pic>
         <p:nvPicPr>
-          <p:cNvPr descr="../Images/Clinician%20Coders%20Branding_FINAL_CMYK_Colour.png" id="0" name="Picture 1"/>
+          <p:cNvPr descr="../Images/logo-patient-data-skills.png" id="0" name="Picture 1"/>
           <p:cNvPicPr>
             <a:picLocks noGrp="1" noChangeAspect="1"/>
           </p:cNvPicPr>
@@ -4796,8 +4628,8 @@
         </p:blipFill>
         <p:spPr bwMode="auto">
           <a:xfrm>
-            <a:off x="838200" y="2260600"/>
-            <a:ext cx="10515600" cy="3454400"/>
+            <a:off x="3543300" y="1816100"/>
+            <a:ext cx="5105400" cy="4343400"/>
           </a:xfrm>
           <a:prstGeom prst="rect">
             <a:avLst/>
@@ -4997,7 +4829,7 @@
             <a:pPr lvl="1"/>
             <a:r>
               <a:rPr/>
-              <a:t>Charging facilities – where’s your nearest?</a:t>
+              <a:t>Download R Studio</a:t>
             </a:r>
           </a:p>
           <a:p>
@@ -5011,28 +4843,7 @@
             <a:pPr lvl="1"/>
             <a:r>
               <a:rPr/>
-              <a:t>Download R Studio</a:t>
-            </a:r>
-          </a:p>
-          <a:p>
-            <a:pPr lvl="1"/>
-            <a:r>
-              <a:rPr/>
-              <a:t>Have a spreadsheet program on your laptop</a:t>
-            </a:r>
-          </a:p>
-          <a:p>
-            <a:pPr lvl="1"/>
-            <a:r>
-              <a:rPr/>
-              <a:t>Join the slack channel</a:t>
-            </a:r>
-          </a:p>
-          <a:p>
-            <a:pPr lvl="1"/>
-            <a:r>
-              <a:rPr/>
-              <a:t>Decide which dataset to use on the second day</a:t>
+              <a:t>? Join the slack channel</a:t>
             </a:r>
           </a:p>
         </p:txBody>
@@ -5125,13 +4936,6 @@
               <a:t>2 days of intensive learning</a:t>
             </a:r>
           </a:p>
-          <a:p>
-            <a:pPr lvl="1"/>
-            <a:r>
-              <a:rPr/>
-              <a:t>Coffee and lunch provided</a:t>
-            </a:r>
-          </a:p>
         </p:txBody>
       </p:sp>
     </p:spTree>
@@ -5540,17 +5344,17 @@
             </a:r>
           </a:p>
           <a:p>
-            <a:pPr lvl="2"/>
-            <a:r>
-              <a:rPr/>
-              <a:t>Each with median 1030 time varying measurements (rows)</a:t>
-            </a:r>
-          </a:p>
-          <a:p>
             <a:pPr lvl="1"/>
             <a:r>
               <a:rPr/>
-              <a:t>You will be using a synthetic dataset structured in a simillar format to the CCHIC data.</a:t>
+              <a:t>You will be using a synthetically derived dataset structured in a simillar format to the CCHIC data.</a:t>
+            </a:r>
+          </a:p>
+          <a:p>
+            <a:pPr lvl="1"/>
+            <a:r>
+              <a:rPr/>
+              <a:t>Data looks real, but isn’t.</a:t>
             </a:r>
           </a:p>
         </p:txBody>
